--- a/session4/BitsDiagram.pptx
+++ b/session4/BitsDiagram.pptx
@@ -105,6 +105,11 @@
       </a:defRPr>
     </a:lvl9pPr>
   </p:defaultTextStyle>
+  <p:extLst>
+    <p:ext uri="{EFAFB233-063F-42B5-8137-9DF3F51BA10A}">
+      <p15:sldGuideLst xmlns:p15="http://schemas.microsoft.com/office/powerpoint/2012/main"/>
+    </p:ext>
+  </p:extLst>
 </p:presentation>
 </file>
 
@@ -257,7 +262,7 @@
           <a:p>
             <a:fld id="{261B1DC6-EAA0-415F-B5AD-9AE9521DE7AA}" type="datetimeFigureOut">
               <a:rPr lang="en-GB" smtClean="0"/>
-              <a:t>22/09/2025</a:t>
+              <a:t>26/09/2025</a:t>
             </a:fld>
             <a:endParaRPr lang="en-GB"/>
           </a:p>
@@ -457,7 +462,7 @@
           <a:p>
             <a:fld id="{261B1DC6-EAA0-415F-B5AD-9AE9521DE7AA}" type="datetimeFigureOut">
               <a:rPr lang="en-GB" smtClean="0"/>
-              <a:t>22/09/2025</a:t>
+              <a:t>26/09/2025</a:t>
             </a:fld>
             <a:endParaRPr lang="en-GB"/>
           </a:p>
@@ -667,7 +672,7 @@
           <a:p>
             <a:fld id="{261B1DC6-EAA0-415F-B5AD-9AE9521DE7AA}" type="datetimeFigureOut">
               <a:rPr lang="en-GB" smtClean="0"/>
-              <a:t>22/09/2025</a:t>
+              <a:t>26/09/2025</a:t>
             </a:fld>
             <a:endParaRPr lang="en-GB"/>
           </a:p>
@@ -867,7 +872,7 @@
           <a:p>
             <a:fld id="{261B1DC6-EAA0-415F-B5AD-9AE9521DE7AA}" type="datetimeFigureOut">
               <a:rPr lang="en-GB" smtClean="0"/>
-              <a:t>22/09/2025</a:t>
+              <a:t>26/09/2025</a:t>
             </a:fld>
             <a:endParaRPr lang="en-GB"/>
           </a:p>
@@ -1143,7 +1148,7 @@
           <a:p>
             <a:fld id="{261B1DC6-EAA0-415F-B5AD-9AE9521DE7AA}" type="datetimeFigureOut">
               <a:rPr lang="en-GB" smtClean="0"/>
-              <a:t>22/09/2025</a:t>
+              <a:t>26/09/2025</a:t>
             </a:fld>
             <a:endParaRPr lang="en-GB"/>
           </a:p>
@@ -1411,7 +1416,7 @@
           <a:p>
             <a:fld id="{261B1DC6-EAA0-415F-B5AD-9AE9521DE7AA}" type="datetimeFigureOut">
               <a:rPr lang="en-GB" smtClean="0"/>
-              <a:t>22/09/2025</a:t>
+              <a:t>26/09/2025</a:t>
             </a:fld>
             <a:endParaRPr lang="en-GB"/>
           </a:p>
@@ -1826,7 +1831,7 @@
           <a:p>
             <a:fld id="{261B1DC6-EAA0-415F-B5AD-9AE9521DE7AA}" type="datetimeFigureOut">
               <a:rPr lang="en-GB" smtClean="0"/>
-              <a:t>22/09/2025</a:t>
+              <a:t>26/09/2025</a:t>
             </a:fld>
             <a:endParaRPr lang="en-GB"/>
           </a:p>
@@ -1968,7 +1973,7 @@
           <a:p>
             <a:fld id="{261B1DC6-EAA0-415F-B5AD-9AE9521DE7AA}" type="datetimeFigureOut">
               <a:rPr lang="en-GB" smtClean="0"/>
-              <a:t>22/09/2025</a:t>
+              <a:t>26/09/2025</a:t>
             </a:fld>
             <a:endParaRPr lang="en-GB"/>
           </a:p>
@@ -2081,7 +2086,7 @@
           <a:p>
             <a:fld id="{261B1DC6-EAA0-415F-B5AD-9AE9521DE7AA}" type="datetimeFigureOut">
               <a:rPr lang="en-GB" smtClean="0"/>
-              <a:t>22/09/2025</a:t>
+              <a:t>26/09/2025</a:t>
             </a:fld>
             <a:endParaRPr lang="en-GB"/>
           </a:p>
@@ -2394,7 +2399,7 @@
           <a:p>
             <a:fld id="{261B1DC6-EAA0-415F-B5AD-9AE9521DE7AA}" type="datetimeFigureOut">
               <a:rPr lang="en-GB" smtClean="0"/>
-              <a:t>22/09/2025</a:t>
+              <a:t>26/09/2025</a:t>
             </a:fld>
             <a:endParaRPr lang="en-GB"/>
           </a:p>
@@ -2683,7 +2688,7 @@
           <a:p>
             <a:fld id="{261B1DC6-EAA0-415F-B5AD-9AE9521DE7AA}" type="datetimeFigureOut">
               <a:rPr lang="en-GB" smtClean="0"/>
-              <a:t>22/09/2025</a:t>
+              <a:t>26/09/2025</a:t>
             </a:fld>
             <a:endParaRPr lang="en-GB"/>
           </a:p>
@@ -2926,7 +2931,7 @@
           <a:p>
             <a:fld id="{261B1DC6-EAA0-415F-B5AD-9AE9521DE7AA}" type="datetimeFigureOut">
               <a:rPr lang="en-GB" smtClean="0"/>
-              <a:t>22/09/2025</a:t>
+              <a:t>26/09/2025</a:t>
             </a:fld>
             <a:endParaRPr lang="en-GB"/>
           </a:p>
@@ -3366,7 +3371,7 @@
         </p:blipFill>
         <p:spPr>
           <a:xfrm>
-            <a:off x="0" y="647700"/>
+            <a:off x="0" y="1200150"/>
             <a:ext cx="12192000" cy="943418"/>
           </a:xfrm>
           <a:prstGeom prst="rect">
@@ -3388,7 +3393,7 @@
         </p:nvGrpSpPr>
         <p:grpSpPr>
           <a:xfrm>
-            <a:off x="129540" y="518160"/>
+            <a:off x="129540" y="1070610"/>
             <a:ext cx="1150620" cy="1348740"/>
             <a:chOff x="83820" y="518160"/>
             <a:chExt cx="1150620" cy="1348740"/>
@@ -3504,7 +3509,7 @@
         </p:nvGrpSpPr>
         <p:grpSpPr>
           <a:xfrm>
-            <a:off x="1280160" y="518160"/>
+            <a:off x="1280160" y="1070610"/>
             <a:ext cx="1150620" cy="1348740"/>
             <a:chOff x="83820" y="518160"/>
             <a:chExt cx="1150620" cy="1348740"/>
@@ -3620,7 +3625,7 @@
         </p:nvGrpSpPr>
         <p:grpSpPr>
           <a:xfrm>
-            <a:off x="3517890" y="518160"/>
+            <a:off x="3517890" y="1070610"/>
             <a:ext cx="1150620" cy="1348740"/>
             <a:chOff x="83820" y="518160"/>
             <a:chExt cx="1150620" cy="1348740"/>
@@ -3736,7 +3741,7 @@
         </p:nvGrpSpPr>
         <p:grpSpPr>
           <a:xfrm>
-            <a:off x="4661535" y="518160"/>
+            <a:off x="4661535" y="1070610"/>
             <a:ext cx="1350000" cy="1348740"/>
             <a:chOff x="83820" y="518160"/>
             <a:chExt cx="1150620" cy="1348740"/>
@@ -3852,7 +3857,7 @@
         </p:nvGrpSpPr>
         <p:grpSpPr>
           <a:xfrm>
-            <a:off x="6008985" y="518160"/>
+            <a:off x="6008985" y="1070610"/>
             <a:ext cx="1350000" cy="1348740"/>
             <a:chOff x="83820" y="518160"/>
             <a:chExt cx="1150620" cy="1348740"/>
@@ -3968,7 +3973,7 @@
         </p:nvGrpSpPr>
         <p:grpSpPr>
           <a:xfrm>
-            <a:off x="8211840" y="518160"/>
+            <a:off x="8211840" y="1070610"/>
             <a:ext cx="1150620" cy="1348740"/>
             <a:chOff x="83820" y="518160"/>
             <a:chExt cx="1150620" cy="1348740"/>
@@ -4084,7 +4089,7 @@
         </p:nvGrpSpPr>
         <p:grpSpPr>
           <a:xfrm>
-            <a:off x="9355485" y="518160"/>
+            <a:off x="9355485" y="1070610"/>
             <a:ext cx="1350000" cy="1348740"/>
             <a:chOff x="83820" y="518160"/>
             <a:chExt cx="1150620" cy="1348740"/>
@@ -4200,7 +4205,7 @@
         </p:nvGrpSpPr>
         <p:grpSpPr>
           <a:xfrm>
-            <a:off x="10702935" y="518160"/>
+            <a:off x="10702935" y="1070610"/>
             <a:ext cx="1350000" cy="1348740"/>
             <a:chOff x="83820" y="518160"/>
             <a:chExt cx="1150620" cy="1348740"/>
@@ -4316,7 +4321,7 @@
         </p:nvSpPr>
         <p:spPr>
           <a:xfrm>
-            <a:off x="8482336" y="1886988"/>
+            <a:off x="8482336" y="2439438"/>
             <a:ext cx="3490587" cy="646331"/>
           </a:xfrm>
           <a:prstGeom prst="rect">
@@ -4352,7 +4357,7 @@
         </p:nvSpPr>
         <p:spPr>
           <a:xfrm>
-            <a:off x="64770" y="1886988"/>
+            <a:off x="64770" y="2439438"/>
             <a:ext cx="1280160" cy="1200329"/>
           </a:xfrm>
           <a:prstGeom prst="rect">
@@ -4389,7 +4394,7 @@
         </p:nvSpPr>
         <p:spPr>
           <a:xfrm>
-            <a:off x="1180778" y="1866900"/>
+            <a:off x="1180778" y="2419350"/>
             <a:ext cx="1280160" cy="923330"/>
           </a:xfrm>
           <a:prstGeom prst="rect">
@@ -4426,7 +4431,7 @@
         </p:nvSpPr>
         <p:spPr>
           <a:xfrm>
-            <a:off x="3418054" y="1933154"/>
+            <a:off x="3418054" y="2485604"/>
             <a:ext cx="1280160" cy="1200329"/>
           </a:xfrm>
           <a:prstGeom prst="rect">
@@ -4470,7 +4475,7 @@
         </p:nvSpPr>
         <p:spPr>
           <a:xfrm>
-            <a:off x="4728825" y="1933154"/>
+            <a:off x="4728825" y="2485604"/>
             <a:ext cx="1280160" cy="369332"/>
           </a:xfrm>
           <a:prstGeom prst="rect">
@@ -4507,7 +4512,7 @@
         </p:nvSpPr>
         <p:spPr>
           <a:xfrm>
-            <a:off x="6043905" y="1962856"/>
+            <a:off x="6043905" y="2515306"/>
             <a:ext cx="1280160" cy="369332"/>
           </a:xfrm>
           <a:prstGeom prst="rect">
@@ -4618,6 +4623,53 @@
           </a:p>
         </p:txBody>
       </p:sp>
+      <p:pic>
+        <p:nvPicPr>
+          <p:cNvPr id="2" name="Picture 2" descr="img">
+            <a:extLst>
+              <a:ext uri="{FF2B5EF4-FFF2-40B4-BE49-F238E27FC236}">
+                <a16:creationId xmlns:a16="http://schemas.microsoft.com/office/drawing/2014/main" id="{388A675F-84E3-5232-2972-8855339BFAB0}"/>
+              </a:ext>
+            </a:extLst>
+          </p:cNvPr>
+          <p:cNvPicPr>
+            <a:picLocks noChangeAspect="1" noChangeArrowheads="1"/>
+          </p:cNvPicPr>
+          <p:nvPr/>
+        </p:nvPicPr>
+        <p:blipFill rotWithShape="1">
+          <a:blip r:embed="rId5">
+            <a:extLst>
+              <a:ext uri="{28A0092B-C50C-407E-A947-70E740481C1C}">
+                <a14:useLocalDpi xmlns:a14="http://schemas.microsoft.com/office/drawing/2010/main" val="0"/>
+              </a:ext>
+            </a:extLst>
+          </a:blip>
+          <a:srcRect t="36940" b="35858"/>
+          <a:stretch>
+            <a:fillRect/>
+          </a:stretch>
+        </p:blipFill>
+        <p:spPr bwMode="auto">
+          <a:xfrm>
+            <a:off x="3017933" y="44926"/>
+            <a:ext cx="5683229" cy="869606"/>
+          </a:xfrm>
+          <a:prstGeom prst="rect">
+            <a:avLst/>
+          </a:prstGeom>
+          <a:noFill/>
+          <a:extLst>
+            <a:ext uri="{909E8E84-426E-40DD-AFC4-6F175D3DCCD1}">
+              <a14:hiddenFill xmlns:a14="http://schemas.microsoft.com/office/drawing/2010/main">
+                <a:solidFill>
+                  <a:srgbClr val="FFFFFF"/>
+                </a:solidFill>
+              </a14:hiddenFill>
+            </a:ext>
+          </a:extLst>
+        </p:spPr>
+      </p:pic>
     </p:spTree>
     <p:extLst>
       <p:ext uri="{BB962C8B-B14F-4D97-AF65-F5344CB8AC3E}">
